--- a/Documents/Capstone Slide Template for Students.pptx
+++ b/Documents/Capstone Slide Template for Students.pptx
@@ -213,7 +213,7 @@
           <a:p>
             <a:fld id="{E8B57C17-E6FD-4AF5-A787-31E9CCE99A85}" type="datetimeFigureOut">
               <a:rPr lang="ko-KR" altLang="en-US" smtClean="0"/>
-              <a:t>2021-12-28</a:t>
+              <a:t>2022-10-12</a:t>
             </a:fld>
             <a:endParaRPr lang="ko-KR" altLang="en-US"/>
           </a:p>
@@ -11071,6 +11071,10 @@
               <a:rPr lang="ko-KR" altLang="en-US" dirty="0"/>
               <a:t> </a:t>
             </a:r>
+            <a:r>
+              <a:rPr lang="en-US" altLang="ko-KR" dirty="0"/>
+              <a:t/>
+            </a:r>
             <a:br>
               <a:rPr lang="en-US" altLang="ko-KR" dirty="0"/>
             </a:br>
@@ -12914,6 +12918,10 @@
               <a:rPr lang="ko-KR" altLang="en-US" dirty="0"/>
               <a:t> </a:t>
             </a:r>
+            <a:r>
+              <a:rPr lang="en-US" altLang="ko-KR" dirty="0"/>
+              <a:t/>
+            </a:r>
             <a:br>
               <a:rPr lang="en-US" altLang="ko-KR" dirty="0"/>
             </a:br>
@@ -13565,6 +13573,10 @@
             <a:r>
               <a:rPr lang="ko-KR" altLang="en-US" dirty="0"/>
               <a:t> </a:t>
+            </a:r>
+            <a:r>
+              <a:rPr lang="en-US" altLang="ko-KR" dirty="0"/>
+              <a:t/>
             </a:r>
             <a:br>
               <a:rPr lang="en-US" altLang="ko-KR" dirty="0"/>
@@ -14494,9 +14506,10 @@
           <a:lstStyle/>
           <a:p>
             <a:r>
-              <a:rPr lang="en-US" altLang="ko-KR" dirty="0"/>
-              <a:t>Project Name</a:t>
+              <a:rPr lang="en-US" altLang="ko-KR" sz="4000" dirty="0" smtClean="0"/>
+              <a:t>Traffic Sign Recognition System</a:t>
             </a:r>
+            <a:endParaRPr lang="en-US" altLang="ko-KR" sz="4000" dirty="0"/>
           </a:p>
         </p:txBody>
       </p:sp>
@@ -14555,7 +14568,7 @@
           <a:lstStyle/>
           <a:p>
             <a:r>
-              <a:rPr lang="en-US" altLang="ko-KR" sz="2000" dirty="0">
+              <a:rPr lang="en-US" altLang="ko-KR" sz="2000" dirty="0" smtClean="0">
                 <a:solidFill>
                   <a:schemeClr val="tx1"/>
                 </a:solidFill>
@@ -14563,7 +14576,7 @@
                 <a:ea typeface="Samsung Sharp Sans" pitchFamily="2" charset="0"/>
                 <a:cs typeface="Samsung Sharp Sans" pitchFamily="2" charset="0"/>
               </a:rPr>
-              <a:t>Team Name</a:t>
+              <a:t>18-Dark Web Crusaders</a:t>
             </a:r>
             <a:endParaRPr lang="en-US" altLang="ko-KR" sz="5400" dirty="0">
               <a:solidFill>
@@ -14621,7 +14634,7 @@
         <p:spPr>
           <a:xfrm>
             <a:off x="528795" y="372009"/>
-            <a:ext cx="4648201" cy="430887"/>
+            <a:ext cx="4648201" cy="861774"/>
           </a:xfrm>
           <a:prstGeom prst="rect">
             <a:avLst/>
@@ -14661,16 +14674,19 @@
           <a:lstStyle/>
           <a:p>
             <a:r>
-              <a:rPr lang="en-US" altLang="ko-KR" sz="2800" dirty="0">
-                <a:solidFill>
-                  <a:schemeClr val="bg1"/>
-                </a:solidFill>
-                <a:latin typeface="Samsung Sharp Sans" pitchFamily="2" charset="0"/>
-                <a:ea typeface="Samsung Sharp Sans" pitchFamily="2" charset="0"/>
-                <a:cs typeface="Samsung Sharp Sans" pitchFamily="2" charset="0"/>
-              </a:rPr>
-              <a:t>Project Name</a:t>
+              <a:rPr lang="en-US" altLang="ko-KR" sz="2800" dirty="0"/>
+              <a:t>Traffic Sign Recognition System</a:t>
             </a:r>
+          </a:p>
+          <a:p>
+            <a:endParaRPr lang="en-US" altLang="ko-KR" sz="2800" dirty="0">
+              <a:solidFill>
+                <a:schemeClr val="bg1"/>
+              </a:solidFill>
+              <a:latin typeface="Samsung Sharp Sans" pitchFamily="2" charset="0"/>
+              <a:ea typeface="Samsung Sharp Sans" pitchFamily="2" charset="0"/>
+              <a:cs typeface="Samsung Sharp Sans" pitchFamily="2" charset="0"/>
+            </a:endParaRPr>
           </a:p>
         </p:txBody>
       </p:sp>
@@ -14758,8 +14774,31 @@
                   <a:latin typeface="SamsungOne 700" panose="020B0803030303020204" pitchFamily="34" charset="0"/>
                   <a:ea typeface="SamsungOne 700" panose="020B0803030303020204" pitchFamily="34" charset="0"/>
                 </a:rPr>
-                <a:t>UNIT 1. Title</a:t>
+                <a:t>UNIT 1. </a:t>
               </a:r>
+              <a:r>
+                <a:rPr lang="en-US" altLang="ko-KR" dirty="0" smtClean="0">
+                  <a:solidFill>
+                    <a:schemeClr val="tx1">
+                      <a:lumMod val="75000"/>
+                      <a:lumOff val="25000"/>
+                    </a:schemeClr>
+                  </a:solidFill>
+                  <a:latin typeface="SamsungOne 700" panose="020B0803030303020204" pitchFamily="34" charset="0"/>
+                  <a:ea typeface="SamsungOne 700" panose="020B0803030303020204" pitchFamily="34" charset="0"/>
+                </a:rPr>
+                <a:t>Introduction</a:t>
+              </a:r>
+              <a:endParaRPr lang="en-US" altLang="ko-KR" dirty="0">
+                <a:solidFill>
+                  <a:schemeClr val="tx1">
+                    <a:lumMod val="75000"/>
+                    <a:lumOff val="25000"/>
+                  </a:schemeClr>
+                </a:solidFill>
+                <a:latin typeface="SamsungOne 700" panose="020B0803030303020204" pitchFamily="34" charset="0"/>
+                <a:ea typeface="SamsungOne 700" panose="020B0803030303020204" pitchFamily="34" charset="0"/>
+              </a:endParaRPr>
             </a:p>
           </p:txBody>
         </p:sp>
@@ -14878,8 +14917,25 @@
                   <a:latin typeface="SamsungOne 700" panose="020B0803030303020204" pitchFamily="34" charset="0"/>
                   <a:ea typeface="SamsungOne 700" panose="020B0803030303020204" pitchFamily="34" charset="0"/>
                 </a:rPr>
-                <a:t>1.1. Subtitle</a:t>
+                <a:t>1.1. </a:t>
               </a:r>
+              <a:r>
+                <a:rPr lang="en-US" altLang="ko-KR" sz="1400" dirty="0" smtClean="0">
+                  <a:solidFill>
+                    <a:srgbClr val="193EB0"/>
+                  </a:solidFill>
+                  <a:latin typeface="SamsungOne 700" panose="020B0803030303020204" pitchFamily="34" charset="0"/>
+                  <a:ea typeface="SamsungOne 700" panose="020B0803030303020204" pitchFamily="34" charset="0"/>
+                </a:rPr>
+                <a:t>Intro</a:t>
+              </a:r>
+              <a:endParaRPr lang="en-US" altLang="ko-KR" sz="1400" dirty="0">
+                <a:solidFill>
+                  <a:srgbClr val="193EB0"/>
+                </a:solidFill>
+                <a:latin typeface="SamsungOne 700" panose="020B0803030303020204" pitchFamily="34" charset="0"/>
+                <a:ea typeface="SamsungOne 700" panose="020B0803030303020204" pitchFamily="34" charset="0"/>
+              </a:endParaRPr>
             </a:p>
             <a:p>
               <a:pPr>
@@ -14897,8 +14953,29 @@
                   <a:latin typeface="SamsungOne 400" panose="020B0503030303020204" pitchFamily="34" charset="0"/>
                   <a:ea typeface="SamsungOne 400" panose="020B0503030303020204" pitchFamily="34" charset="0"/>
                 </a:rPr>
-                <a:t>1.2. Subtitle</a:t>
+                <a:t>1.2. </a:t>
               </a:r>
+              <a:r>
+                <a:rPr lang="en-US" altLang="ko-KR" sz="1400" dirty="0" smtClean="0">
+                  <a:solidFill>
+                    <a:schemeClr val="bg1">
+                      <a:lumMod val="65000"/>
+                    </a:schemeClr>
+                  </a:solidFill>
+                  <a:latin typeface="SamsungOne 400" panose="020B0503030303020204" pitchFamily="34" charset="0"/>
+                  <a:ea typeface="SamsungOne 400" panose="020B0503030303020204" pitchFamily="34" charset="0"/>
+                </a:rPr>
+                <a:t> Background Information</a:t>
+              </a:r>
+              <a:endParaRPr lang="en-US" altLang="ko-KR" sz="1400" dirty="0">
+                <a:solidFill>
+                  <a:schemeClr val="bg1">
+                    <a:lumMod val="65000"/>
+                  </a:schemeClr>
+                </a:solidFill>
+                <a:latin typeface="SamsungOne 400" panose="020B0503030303020204" pitchFamily="34" charset="0"/>
+                <a:ea typeface="SamsungOne 400" panose="020B0503030303020204" pitchFamily="34" charset="0"/>
+              </a:endParaRPr>
             </a:p>
             <a:p>
               <a:pPr>
@@ -14916,8 +14993,29 @@
                   <a:latin typeface="SamsungOne 400" panose="020B0503030303020204" pitchFamily="34" charset="0"/>
                   <a:ea typeface="SamsungOne 400" panose="020B0503030303020204" pitchFamily="34" charset="0"/>
                 </a:rPr>
-                <a:t>1.3. Subtitle</a:t>
+                <a:t>1.3. </a:t>
               </a:r>
+              <a:r>
+                <a:rPr lang="en-US" altLang="ko-KR" sz="1400" dirty="0" smtClean="0">
+                  <a:solidFill>
+                    <a:schemeClr val="bg1">
+                      <a:lumMod val="65000"/>
+                    </a:schemeClr>
+                  </a:solidFill>
+                  <a:latin typeface="SamsungOne 400" panose="020B0503030303020204" pitchFamily="34" charset="0"/>
+                  <a:ea typeface="SamsungOne 400" panose="020B0503030303020204" pitchFamily="34" charset="0"/>
+                </a:rPr>
+                <a:t>Methodology</a:t>
+              </a:r>
+              <a:endParaRPr lang="en-US" altLang="ko-KR" sz="1400" dirty="0">
+                <a:solidFill>
+                  <a:schemeClr val="bg1">
+                    <a:lumMod val="65000"/>
+                  </a:schemeClr>
+                </a:solidFill>
+                <a:latin typeface="SamsungOne 400" panose="020B0503030303020204" pitchFamily="34" charset="0"/>
+                <a:ea typeface="SamsungOne 400" panose="020B0503030303020204" pitchFamily="34" charset="0"/>
+              </a:endParaRPr>
             </a:p>
           </p:txBody>
         </p:sp>
@@ -14937,9 +15035,9 @@
         <p:grpSpPr>
           <a:xfrm>
             <a:off x="528795" y="3120685"/>
-            <a:ext cx="4379913" cy="1216982"/>
+            <a:ext cx="4379913" cy="1509370"/>
             <a:chOff x="4181256" y="3224809"/>
-            <a:chExt cx="4379913" cy="1216982"/>
+            <a:chExt cx="4379913" cy="1509370"/>
           </a:xfrm>
         </p:grpSpPr>
         <p:sp>
@@ -15012,8 +15110,31 @@
                   <a:latin typeface="SamsungOne 700" panose="020B0803030303020204" pitchFamily="34" charset="0"/>
                   <a:ea typeface="SamsungOne 700" panose="020B0803030303020204" pitchFamily="34" charset="0"/>
                 </a:rPr>
-                <a:t>UNIT 2. Title</a:t>
+                <a:t>UNIT 2. </a:t>
               </a:r>
+              <a:r>
+                <a:rPr lang="en-US" altLang="ko-KR" dirty="0" smtClean="0">
+                  <a:solidFill>
+                    <a:schemeClr val="tx1">
+                      <a:lumMod val="75000"/>
+                      <a:lumOff val="25000"/>
+                    </a:schemeClr>
+                  </a:solidFill>
+                  <a:latin typeface="SamsungOne 700" panose="020B0803030303020204" pitchFamily="34" charset="0"/>
+                  <a:ea typeface="SamsungOne 700" panose="020B0803030303020204" pitchFamily="34" charset="0"/>
+                </a:rPr>
+                <a:t>Pre-Processing</a:t>
+              </a:r>
+              <a:endParaRPr lang="en-US" altLang="ko-KR" dirty="0">
+                <a:solidFill>
+                  <a:schemeClr val="tx1">
+                    <a:lumMod val="75000"/>
+                    <a:lumOff val="25000"/>
+                  </a:schemeClr>
+                </a:solidFill>
+                <a:latin typeface="SamsungOne 700" panose="020B0803030303020204" pitchFamily="34" charset="0"/>
+                <a:ea typeface="SamsungOne 700" panose="020B0803030303020204" pitchFamily="34" charset="0"/>
+              </a:endParaRPr>
             </a:p>
           </p:txBody>
         </p:sp>
@@ -15092,7 +15213,7 @@
           <p:spPr>
             <a:xfrm>
               <a:off x="5160752" y="3641572"/>
-              <a:ext cx="3400417" cy="800219"/>
+              <a:ext cx="3400417" cy="1092607"/>
             </a:xfrm>
             <a:prstGeom prst="rect">
               <a:avLst/>
@@ -15144,8 +15265,25 @@
                   <a:latin typeface="SamsungOne 700" panose="020B0803030303020204" pitchFamily="34" charset="0"/>
                   <a:ea typeface="SamsungOne 700" panose="020B0803030303020204" pitchFamily="34" charset="0"/>
                 </a:rPr>
-                <a:t>2.1. Subtitle</a:t>
+                <a:t>2.1. </a:t>
               </a:r>
+              <a:r>
+                <a:rPr lang="en-US" altLang="ko-KR" sz="1400" dirty="0" smtClean="0">
+                  <a:solidFill>
+                    <a:srgbClr val="193EB0"/>
+                  </a:solidFill>
+                  <a:latin typeface="SamsungOne 700" panose="020B0803030303020204" pitchFamily="34" charset="0"/>
+                  <a:ea typeface="SamsungOne 700" panose="020B0803030303020204" pitchFamily="34" charset="0"/>
+                </a:rPr>
+                <a:t>Data Acquisition</a:t>
+              </a:r>
+              <a:endParaRPr lang="en-US" altLang="ko-KR" sz="1400" dirty="0">
+                <a:solidFill>
+                  <a:srgbClr val="193EB0"/>
+                </a:solidFill>
+                <a:latin typeface="SamsungOne 700" panose="020B0803030303020204" pitchFamily="34" charset="0"/>
+                <a:ea typeface="SamsungOne 700" panose="020B0803030303020204" pitchFamily="34" charset="0"/>
+              </a:endParaRPr>
             </a:p>
             <a:p>
               <a:pPr>
@@ -15163,8 +15301,29 @@
                   <a:latin typeface="SamsungOne 400" panose="020B0503030303020204" pitchFamily="34" charset="0"/>
                   <a:ea typeface="SamsungOne 400" panose="020B0503030303020204" pitchFamily="34" charset="0"/>
                 </a:rPr>
-                <a:t>2.2. Subtitle</a:t>
+                <a:t>2.2. </a:t>
               </a:r>
+              <a:r>
+                <a:rPr lang="en-US" altLang="ko-KR" sz="1400" dirty="0" smtClean="0">
+                  <a:solidFill>
+                    <a:schemeClr val="bg1">
+                      <a:lumMod val="65000"/>
+                    </a:schemeClr>
+                  </a:solidFill>
+                  <a:latin typeface="SamsungOne 400" panose="020B0503030303020204" pitchFamily="34" charset="0"/>
+                  <a:ea typeface="SamsungOne 400" panose="020B0503030303020204" pitchFamily="34" charset="0"/>
+                </a:rPr>
+                <a:t>Why Pre-Processing?</a:t>
+              </a:r>
+              <a:endParaRPr lang="en-US" altLang="ko-KR" sz="1400" dirty="0">
+                <a:solidFill>
+                  <a:schemeClr val="bg1">
+                    <a:lumMod val="65000"/>
+                  </a:schemeClr>
+                </a:solidFill>
+                <a:latin typeface="SamsungOne 400" panose="020B0503030303020204" pitchFamily="34" charset="0"/>
+                <a:ea typeface="SamsungOne 400" panose="020B0503030303020204" pitchFamily="34" charset="0"/>
+              </a:endParaRPr>
             </a:p>
             <a:p>
               <a:pPr>
@@ -15182,8 +15341,36 @@
                   <a:latin typeface="SamsungOne 400" panose="020B0503030303020204" pitchFamily="34" charset="0"/>
                   <a:ea typeface="SamsungOne 400" panose="020B0503030303020204" pitchFamily="34" charset="0"/>
                 </a:rPr>
-                <a:t>2.3. Subtitle</a:t>
+                <a:t>2.3. </a:t>
               </a:r>
+              <a:r>
+                <a:rPr lang="en-US" altLang="ko-KR" sz="1400" dirty="0" smtClean="0">
+                  <a:solidFill>
+                    <a:schemeClr val="bg1">
+                      <a:lumMod val="65000"/>
+                    </a:schemeClr>
+                  </a:solidFill>
+                  <a:latin typeface="SamsungOne 400" panose="020B0503030303020204" pitchFamily="34" charset="0"/>
+                  <a:ea typeface="SamsungOne 400" panose="020B0503030303020204" pitchFamily="34" charset="0"/>
+                </a:rPr>
+                <a:t>Pre-Processing Methodology</a:t>
+              </a:r>
+            </a:p>
+            <a:p>
+              <a:pPr>
+                <a:spcAft>
+                  <a:spcPts val="600"/>
+                </a:spcAft>
+              </a:pPr>
+              <a:endParaRPr lang="en-US" altLang="ko-KR" sz="1400" dirty="0">
+                <a:solidFill>
+                  <a:schemeClr val="bg1">
+                    <a:lumMod val="65000"/>
+                  </a:schemeClr>
+                </a:solidFill>
+                <a:latin typeface="SamsungOne 400" panose="020B0503030303020204" pitchFamily="34" charset="0"/>
+                <a:ea typeface="SamsungOne 400" panose="020B0503030303020204" pitchFamily="34" charset="0"/>
+              </a:endParaRPr>
             </a:p>
           </p:txBody>
         </p:sp>
@@ -15203,9 +15390,9 @@
         <p:grpSpPr>
           <a:xfrm>
             <a:off x="528795" y="4495398"/>
-            <a:ext cx="4379913" cy="1216982"/>
+            <a:ext cx="4379913" cy="1509370"/>
             <a:chOff x="4181256" y="3224809"/>
-            <a:chExt cx="4379913" cy="1216982"/>
+            <a:chExt cx="4379913" cy="1509370"/>
           </a:xfrm>
         </p:grpSpPr>
         <p:sp>
@@ -15278,8 +15465,31 @@
                   <a:latin typeface="SamsungOne 700" panose="020B0803030303020204" pitchFamily="34" charset="0"/>
                   <a:ea typeface="SamsungOne 700" panose="020B0803030303020204" pitchFamily="34" charset="0"/>
                 </a:rPr>
-                <a:t>UNIT 3. Title</a:t>
+                <a:t>UNIT 3. </a:t>
               </a:r>
+              <a:r>
+                <a:rPr lang="en-US" altLang="ko-KR" dirty="0" smtClean="0">
+                  <a:solidFill>
+                    <a:schemeClr val="tx1">
+                      <a:lumMod val="75000"/>
+                      <a:lumOff val="25000"/>
+                    </a:schemeClr>
+                  </a:solidFill>
+                  <a:latin typeface="SamsungOne 700" panose="020B0803030303020204" pitchFamily="34" charset="0"/>
+                  <a:ea typeface="SamsungOne 700" panose="020B0803030303020204" pitchFamily="34" charset="0"/>
+                </a:rPr>
+                <a:t>Model</a:t>
+              </a:r>
+              <a:endParaRPr lang="en-US" altLang="ko-KR" dirty="0">
+                <a:solidFill>
+                  <a:schemeClr val="tx1">
+                    <a:lumMod val="75000"/>
+                    <a:lumOff val="25000"/>
+                  </a:schemeClr>
+                </a:solidFill>
+                <a:latin typeface="SamsungOne 700" panose="020B0803030303020204" pitchFamily="34" charset="0"/>
+                <a:ea typeface="SamsungOne 700" panose="020B0803030303020204" pitchFamily="34" charset="0"/>
+              </a:endParaRPr>
             </a:p>
           </p:txBody>
         </p:sp>
@@ -15358,7 +15568,7 @@
           <p:spPr>
             <a:xfrm>
               <a:off x="5160752" y="3641572"/>
-              <a:ext cx="3400417" cy="800219"/>
+              <a:ext cx="3400417" cy="1092607"/>
             </a:xfrm>
             <a:prstGeom prst="rect">
               <a:avLst/>
@@ -15410,8 +15620,25 @@
                   <a:latin typeface="SamsungOne 700" panose="020B0803030303020204" pitchFamily="34" charset="0"/>
                   <a:ea typeface="SamsungOne 700" panose="020B0803030303020204" pitchFamily="34" charset="0"/>
                 </a:rPr>
-                <a:t>3.1. Subtitle</a:t>
+                <a:t>3.1. </a:t>
               </a:r>
+              <a:r>
+                <a:rPr lang="en-US" altLang="ko-KR" sz="1400" dirty="0" smtClean="0">
+                  <a:solidFill>
+                    <a:srgbClr val="193EB0"/>
+                  </a:solidFill>
+                  <a:latin typeface="SamsungOne 700" panose="020B0803030303020204" pitchFamily="34" charset="0"/>
+                  <a:ea typeface="SamsungOne 700" panose="020B0803030303020204" pitchFamily="34" charset="0"/>
+                </a:rPr>
+                <a:t>Model architecture</a:t>
+              </a:r>
+              <a:endParaRPr lang="en-US" altLang="ko-KR" sz="1400" dirty="0">
+                <a:solidFill>
+                  <a:srgbClr val="193EB0"/>
+                </a:solidFill>
+                <a:latin typeface="SamsungOne 700" panose="020B0803030303020204" pitchFamily="34" charset="0"/>
+                <a:ea typeface="SamsungOne 700" panose="020B0803030303020204" pitchFamily="34" charset="0"/>
+              </a:endParaRPr>
             </a:p>
             <a:p>
               <a:pPr>
@@ -15429,7 +15656,19 @@
                   <a:latin typeface="SamsungOne 400" panose="020B0503030303020204" pitchFamily="34" charset="0"/>
                   <a:ea typeface="SamsungOne 400" panose="020B0503030303020204" pitchFamily="34" charset="0"/>
                 </a:rPr>
-                <a:t>3.2. Subtitle</a:t>
+                <a:t>3.2. </a:t>
+              </a:r>
+              <a:r>
+                <a:rPr lang="en-US" altLang="ko-KR" sz="1400" dirty="0" smtClean="0">
+                  <a:solidFill>
+                    <a:schemeClr val="bg1">
+                      <a:lumMod val="65000"/>
+                    </a:schemeClr>
+                  </a:solidFill>
+                  <a:latin typeface="SamsungOne 400" panose="020B0503030303020204" pitchFamily="34" charset="0"/>
+                  <a:ea typeface="SamsungOne 400" panose="020B0503030303020204" pitchFamily="34" charset="0"/>
+                </a:rPr>
+                <a:t>Evaluation</a:t>
               </a:r>
             </a:p>
             <a:p>
@@ -15439,7 +15678,7 @@
                 </a:spcAft>
               </a:pPr>
               <a:r>
-                <a:rPr lang="en-US" altLang="ko-KR" sz="1400" dirty="0">
+                <a:rPr lang="en-US" altLang="ko-KR" sz="1400" dirty="0" smtClean="0">
                   <a:solidFill>
                     <a:schemeClr val="bg1">
                       <a:lumMod val="65000"/>
@@ -15448,8 +15687,36 @@
                   <a:latin typeface="SamsungOne 400" panose="020B0503030303020204" pitchFamily="34" charset="0"/>
                   <a:ea typeface="SamsungOne 400" panose="020B0503030303020204" pitchFamily="34" charset="0"/>
                 </a:rPr>
-                <a:t>3.3. Subtitle</a:t>
+                <a:t>3.3. Interface and testing </a:t>
               </a:r>
+            </a:p>
+            <a:p>
+              <a:pPr>
+                <a:spcAft>
+                  <a:spcPts val="600"/>
+                </a:spcAft>
+              </a:pPr>
+              <a:r>
+                <a:rPr lang="en-US" altLang="ko-KR" sz="1400" dirty="0" smtClean="0">
+                  <a:solidFill>
+                    <a:schemeClr val="bg1">
+                      <a:lumMod val="65000"/>
+                    </a:schemeClr>
+                  </a:solidFill>
+                  <a:latin typeface="SamsungOne 400" panose="020B0503030303020204" pitchFamily="34" charset="0"/>
+                  <a:ea typeface="SamsungOne 400" panose="020B0503030303020204" pitchFamily="34" charset="0"/>
+                </a:rPr>
+                <a:t>3.4 Future Improvements</a:t>
+              </a:r>
+              <a:endParaRPr lang="en-US" altLang="ko-KR" sz="1400" dirty="0">
+                <a:solidFill>
+                  <a:schemeClr val="bg1">
+                    <a:lumMod val="65000"/>
+                  </a:schemeClr>
+                </a:solidFill>
+                <a:latin typeface="SamsungOne 400" panose="020B0503030303020204" pitchFamily="34" charset="0"/>
+                <a:ea typeface="SamsungOne 400" panose="020B0503030303020204" pitchFamily="34" charset="0"/>
+              </a:endParaRPr>
             </a:p>
           </p:txBody>
         </p:sp>
@@ -15511,8 +15778,8 @@
           <a:lstStyle/>
           <a:p>
             <a:r>
-              <a:rPr lang="en-US" altLang="ko-KR" sz="2400" dirty="0"/>
-              <a:t>Title</a:t>
+              <a:rPr lang="en-US" altLang="ko-KR" sz="2400" dirty="0" smtClean="0"/>
+              <a:t>Unit 1</a:t>
             </a:r>
             <a:endParaRPr lang="ko-KR" altLang="en-US" sz="2400" dirty="0"/>
           </a:p>
@@ -15540,17 +15807,51 @@
           <a:lstStyle/>
           <a:p>
             <a:r>
-              <a:rPr lang="en-US" altLang="ko-KR" dirty="0"/>
-              <a:t>Level1</a:t>
+              <a:rPr lang="en-US" altLang="ko-KR" sz="2000" b="1" dirty="0" smtClean="0"/>
+              <a:t>Introduction</a:t>
+            </a:r>
+            <a:endParaRPr lang="en-US" altLang="ko-KR" sz="2000" b="1" dirty="0"/>
+          </a:p>
+          <a:p>
+            <a:pPr lvl="1"/>
+            <a:r>
+              <a:rPr lang="en-US" altLang="ko-KR" dirty="0" smtClean="0">
+                <a:solidFill>
+                  <a:srgbClr val="193EB0"/>
+                </a:solidFill>
+              </a:rPr>
+              <a:t>1.1  Intro</a:t>
             </a:r>
           </a:p>
           <a:p>
             <a:pPr lvl="1"/>
             <a:r>
-              <a:rPr lang="en-US" altLang="ko-KR" dirty="0"/>
-              <a:t>Level2</a:t>
+              <a:rPr lang="en-US" altLang="ko-KR" dirty="0" smtClean="0">
+                <a:solidFill>
+                  <a:srgbClr val="193EB0"/>
+                </a:solidFill>
+              </a:rPr>
+              <a:t>1.2 Background Information</a:t>
             </a:r>
-            <a:endParaRPr lang="ko-KR" altLang="en-US" dirty="0"/>
+          </a:p>
+          <a:p>
+            <a:pPr lvl="1"/>
+            <a:r>
+              <a:rPr lang="en-US" altLang="ko-KR" dirty="0" smtClean="0">
+                <a:solidFill>
+                  <a:srgbClr val="193EB0"/>
+                </a:solidFill>
+              </a:rPr>
+              <a:t>1.3 Methodology</a:t>
+            </a:r>
+          </a:p>
+          <a:p>
+            <a:pPr lvl="1"/>
+            <a:endParaRPr lang="ko-KR" altLang="en-US" dirty="0">
+              <a:solidFill>
+                <a:srgbClr val="193EB0"/>
+              </a:solidFill>
+            </a:endParaRPr>
           </a:p>
         </p:txBody>
       </p:sp>
@@ -15629,7 +15930,7 @@
         </p:nvSpPr>
         <p:spPr>
           <a:xfrm>
-            <a:off x="449467" y="307412"/>
+            <a:off x="449467" y="276634"/>
             <a:ext cx="8541187" cy="430887"/>
           </a:xfrm>
           <a:prstGeom prst="rect">
@@ -15758,12 +16059,12 @@
           </a:lstStyle>
           <a:p>
             <a:r>
-              <a:rPr lang="en-US" altLang="ko-KR" sz="2800" dirty="0">
+              <a:rPr lang="en-US" sz="2800" dirty="0" smtClean="0">
                 <a:solidFill>
                   <a:schemeClr val="bg1"/>
                 </a:solidFill>
               </a:rPr>
-              <a:t>Slide Title</a:t>
+              <a:t>Introduction</a:t>
             </a:r>
             <a:endParaRPr lang="en-US" sz="2800" dirty="0">
               <a:solidFill>
